--- a/figure/metaClust/metaOmics_Clust.pptx
+++ b/figure/metaClust/metaOmics_Clust.pptx
@@ -200,7 +200,7 @@
           <a:p>
             <a:fld id="{83623CD3-2637-5C4E-B4A9-3752156357C2}" type="datetimeFigureOut">
               <a:rPr lang="en-US" smtClean="0"/>
-              <a:t>10/14/17</a:t>
+              <a:t>10/16/17</a:t>
             </a:fld>
             <a:endParaRPr lang="en-US"/>
           </a:p>
@@ -599,7 +599,7 @@
           <a:p>
             <a:fld id="{1E7AFF6D-C634-F340-858C-AA8EB9E22029}" type="datetimeFigureOut">
               <a:rPr lang="en-US" smtClean="0"/>
-              <a:t>10/14/17</a:t>
+              <a:t>10/16/17</a:t>
             </a:fld>
             <a:endParaRPr lang="en-US"/>
           </a:p>
@@ -769,7 +769,7 @@
           <a:p>
             <a:fld id="{1E7AFF6D-C634-F340-858C-AA8EB9E22029}" type="datetimeFigureOut">
               <a:rPr lang="en-US" smtClean="0"/>
-              <a:t>10/14/17</a:t>
+              <a:t>10/16/17</a:t>
             </a:fld>
             <a:endParaRPr lang="en-US"/>
           </a:p>
@@ -949,7 +949,7 @@
           <a:p>
             <a:fld id="{1E7AFF6D-C634-F340-858C-AA8EB9E22029}" type="datetimeFigureOut">
               <a:rPr lang="en-US" smtClean="0"/>
-              <a:t>10/14/17</a:t>
+              <a:t>10/16/17</a:t>
             </a:fld>
             <a:endParaRPr lang="en-US"/>
           </a:p>
@@ -1119,7 +1119,7 @@
           <a:p>
             <a:fld id="{1E7AFF6D-C634-F340-858C-AA8EB9E22029}" type="datetimeFigureOut">
               <a:rPr lang="en-US" smtClean="0"/>
-              <a:t>10/14/17</a:t>
+              <a:t>10/16/17</a:t>
             </a:fld>
             <a:endParaRPr lang="en-US"/>
           </a:p>
@@ -1365,7 +1365,7 @@
           <a:p>
             <a:fld id="{1E7AFF6D-C634-F340-858C-AA8EB9E22029}" type="datetimeFigureOut">
               <a:rPr lang="en-US" smtClean="0"/>
-              <a:t>10/14/17</a:t>
+              <a:t>10/16/17</a:t>
             </a:fld>
             <a:endParaRPr lang="en-US"/>
           </a:p>
@@ -1597,7 +1597,7 @@
           <a:p>
             <a:fld id="{1E7AFF6D-C634-F340-858C-AA8EB9E22029}" type="datetimeFigureOut">
               <a:rPr lang="en-US" smtClean="0"/>
-              <a:t>10/14/17</a:t>
+              <a:t>10/16/17</a:t>
             </a:fld>
             <a:endParaRPr lang="en-US"/>
           </a:p>
@@ -1964,7 +1964,7 @@
           <a:p>
             <a:fld id="{1E7AFF6D-C634-F340-858C-AA8EB9E22029}" type="datetimeFigureOut">
               <a:rPr lang="en-US" smtClean="0"/>
-              <a:t>10/14/17</a:t>
+              <a:t>10/16/17</a:t>
             </a:fld>
             <a:endParaRPr lang="en-US"/>
           </a:p>
@@ -2082,7 +2082,7 @@
           <a:p>
             <a:fld id="{1E7AFF6D-C634-F340-858C-AA8EB9E22029}" type="datetimeFigureOut">
               <a:rPr lang="en-US" smtClean="0"/>
-              <a:t>10/14/17</a:t>
+              <a:t>10/16/17</a:t>
             </a:fld>
             <a:endParaRPr lang="en-US"/>
           </a:p>
@@ -2177,7 +2177,7 @@
           <a:p>
             <a:fld id="{1E7AFF6D-C634-F340-858C-AA8EB9E22029}" type="datetimeFigureOut">
               <a:rPr lang="en-US" smtClean="0"/>
-              <a:t>10/14/17</a:t>
+              <a:t>10/16/17</a:t>
             </a:fld>
             <a:endParaRPr lang="en-US"/>
           </a:p>
@@ -2454,7 +2454,7 @@
           <a:p>
             <a:fld id="{1E7AFF6D-C634-F340-858C-AA8EB9E22029}" type="datetimeFigureOut">
               <a:rPr lang="en-US" smtClean="0"/>
-              <a:t>10/14/17</a:t>
+              <a:t>10/16/17</a:t>
             </a:fld>
             <a:endParaRPr lang="en-US"/>
           </a:p>
@@ -2707,7 +2707,7 @@
           <a:p>
             <a:fld id="{1E7AFF6D-C634-F340-858C-AA8EB9E22029}" type="datetimeFigureOut">
               <a:rPr lang="en-US" smtClean="0"/>
-              <a:t>10/14/17</a:t>
+              <a:t>10/16/17</a:t>
             </a:fld>
             <a:endParaRPr lang="en-US"/>
           </a:p>
@@ -2920,7 +2920,7 @@
           <a:p>
             <a:fld id="{1E7AFF6D-C634-F340-858C-AA8EB9E22029}" type="datetimeFigureOut">
               <a:rPr lang="en-US" smtClean="0"/>
-              <a:t>10/14/17</a:t>
+              <a:t>10/16/17</a:t>
             </a:fld>
             <a:endParaRPr lang="en-US"/>
           </a:p>
@@ -5188,42 +5188,6 @@
           </a:p>
         </p:txBody>
       </p:sp>
-      <p:cxnSp>
-        <p:nvCxnSpPr>
-          <p:cNvPr id="6" name="Straight Arrow Connector 5"/>
-          <p:cNvCxnSpPr/>
-          <p:nvPr/>
-        </p:nvCxnSpPr>
-        <p:spPr>
-          <a:xfrm flipV="1">
-            <a:off x="9914027" y="2031830"/>
-            <a:ext cx="0" cy="529389"/>
-          </a:xfrm>
-          <a:prstGeom prst="straightConnector1">
-            <a:avLst/>
-          </a:prstGeom>
-          <a:ln w="25400">
-            <a:solidFill>
-              <a:srgbClr val="FF0000"/>
-            </a:solidFill>
-            <a:tailEnd type="triangle"/>
-          </a:ln>
-        </p:spPr>
-        <p:style>
-          <a:lnRef idx="1">
-            <a:schemeClr val="accent1"/>
-          </a:lnRef>
-          <a:fillRef idx="0">
-            <a:schemeClr val="accent1"/>
-          </a:fillRef>
-          <a:effectRef idx="0">
-            <a:schemeClr val="accent1"/>
-          </a:effectRef>
-          <a:fontRef idx="minor">
-            <a:schemeClr val="tx1"/>
-          </a:fontRef>
-        </p:style>
-      </p:cxnSp>
       <p:sp>
         <p:nvSpPr>
           <p:cNvPr id="21" name="TextBox 20"/>
